--- a/HyperledgerFabric_Lecture_2day.pptx
+++ b/HyperledgerFabric_Lecture_2day.pptx
@@ -1,6 +1,6 @@
 
 <file path=ppt/presentation.xml><?xml version="1.0" encoding="utf-8"?>
-<p:presentation xmlns:a="http://schemas.openxmlformats.org/drawingml/2006/main" xmlns:r="http://schemas.openxmlformats.org/officeDocument/2006/relationships" xmlns:p="http://schemas.openxmlformats.org/presentationml/2006/main" saveSubsetFonts="1" autoCompressPictures="0">
+<p:presentation xmlns:a="http://schemas.openxmlformats.org/drawingml/2006/main" xmlns:r="http://schemas.openxmlformats.org/officeDocument/2006/relationships" xmlns:p="http://schemas.openxmlformats.org/presentationml/2006/main" embedTrueTypeFonts="1" saveSubsetFonts="1" autoCompressPictures="0">
   <p:sldMasterIdLst>
     <p:sldMasterId id="2147483672" r:id="rId1"/>
   </p:sldMasterIdLst>
@@ -70,6 +70,45 @@
   </p:sldIdLst>
   <p:sldSz cx="9144000" cy="6858000" type="screen4x3"/>
   <p:notesSz cx="6858000" cy="9144000"/>
+  <p:embeddedFontLst>
+    <p:embeddedFont>
+      <p:font typeface="나눔바른고딕" panose="020B0603020101020101" pitchFamily="34" charset="-127"/>
+      <p:regular r:id="rId62"/>
+      <p:bold r:id="rId63"/>
+    </p:embeddedFont>
+    <p:embeddedFont>
+      <p:font typeface="나눔스퀘어 ExtraBold" panose="020B0600000101010101" pitchFamily="34" charset="-127"/>
+      <p:bold r:id="rId64"/>
+    </p:embeddedFont>
+    <p:embeddedFont>
+      <p:font typeface="NanumBarunGothic" panose="020B0603020101020101" pitchFamily="34" charset="-127"/>
+      <p:regular r:id="rId65"/>
+      <p:bold r:id="rId66"/>
+    </p:embeddedFont>
+    <p:embeddedFont>
+      <p:font typeface="NanumBarunGothic UltraLight" panose="020B0603020101020101" pitchFamily="34" charset="-127"/>
+      <p:regular r:id="rId67"/>
+    </p:embeddedFont>
+    <p:embeddedFont>
+      <p:font typeface="Calibri" panose="020F0502020204030204" pitchFamily="34" charset="0"/>
+      <p:regular r:id="rId68"/>
+      <p:bold r:id="rId69"/>
+      <p:italic r:id="rId70"/>
+      <p:boldItalic r:id="rId71"/>
+    </p:embeddedFont>
+    <p:embeddedFont>
+      <p:font typeface="Consolas" panose="020B0609020204030204" pitchFamily="49" charset="0"/>
+      <p:regular r:id="rId72"/>
+      <p:bold r:id="rId73"/>
+      <p:italic r:id="rId74"/>
+      <p:boldItalic r:id="rId75"/>
+    </p:embeddedFont>
+    <p:embeddedFont>
+      <p:font typeface="Fira Code Regular" panose="020B0509050000020004" pitchFamily="49" charset="0"/>
+      <p:regular r:id="rId76"/>
+      <p:bold r:id="rId77"/>
+    </p:embeddedFont>
+  </p:embeddedFontLst>
   <p:defaultTextStyle>
     <a:defPPr>
       <a:defRPr lang="en-US"/>
@@ -255,7 +294,7 @@
           <a:p>
             <a:fld id="{1B7D0839-C163-7F44-9C88-C1E3C0D654D9}" type="datetimeFigureOut">
               <a:rPr kumimoji="1" lang="ko-Kore-KR" altLang="en-US" smtClean="0"/>
-              <a:t>10/18/2020</a:t>
+              <a:t>2020. 10. 18.</a:t>
             </a:fld>
             <a:endParaRPr kumimoji="1" lang="ko-Kore-KR" altLang="en-US"/>
           </a:p>
@@ -4805,7 +4844,7 @@
             <a:prstDash val="sysDot"/>
             <a:extLst>
               <a:ext uri="{C807C97D-BFC1-408E-A445-0C87EB9F89A2}">
-                <ask:lineSketchStyleProps xmlns:ask="http://schemas.microsoft.com/office/drawing/2018/sketchyshapes" xmlns="">
+                <ask:lineSketchStyleProps xmlns:ask="http://schemas.microsoft.com/office/drawing/2018/sketchyshapes">
                   <ask:type>
                     <ask:lineSketchNone/>
                   </ask:type>
@@ -20926,7 +20965,7 @@
           </a:prstGeom>
           <a:extLst>
             <a:ext uri="{C572A759-6A51-4108-AA02-DFA0A04FC94B}">
-              <ma14:wrappingTextBoxFlag xmlns:ma14="http://schemas.microsoft.com/office/mac/drawingml/2011/main" xmlns:a14="http://schemas.microsoft.com/office/drawing/2010/main" xmlns:m="http://schemas.openxmlformats.org/officeDocument/2006/math" xmlns="" val="1"/>
+              <ma14:wrappingTextBoxFlag xmlns="" xmlns:m="http://schemas.openxmlformats.org/officeDocument/2006/math" xmlns:a14="http://schemas.microsoft.com/office/drawing/2010/main" xmlns:ma14="http://schemas.microsoft.com/office/mac/drawingml/2011/main" val="1"/>
             </a:ext>
           </a:extLst>
         </p:spPr>
@@ -20960,7 +20999,7 @@
           </a:ln>
           <a:extLst>
             <a:ext uri="{C572A759-6A51-4108-AA02-DFA0A04FC94B}">
-              <ma14:wrappingTextBoxFlag xmlns:ma14="http://schemas.microsoft.com/office/mac/drawingml/2011/main" xmlns:a14="http://schemas.microsoft.com/office/drawing/2010/main" xmlns:m="http://schemas.openxmlformats.org/officeDocument/2006/math" xmlns="" val="1"/>
+              <ma14:wrappingTextBoxFlag xmlns="" xmlns:m="http://schemas.openxmlformats.org/officeDocument/2006/math" xmlns:a14="http://schemas.microsoft.com/office/drawing/2010/main" xmlns:ma14="http://schemas.microsoft.com/office/mac/drawingml/2011/main" val="1"/>
             </a:ext>
           </a:extLst>
         </p:spPr>
@@ -21414,7 +21453,7 @@
           </a:prstGeom>
           <a:extLst>
             <a:ext uri="{C572A759-6A51-4108-AA02-DFA0A04FC94B}">
-              <ma14:wrappingTextBoxFlag xmlns:ma14="http://schemas.microsoft.com/office/mac/drawingml/2011/main" xmlns:a14="http://schemas.microsoft.com/office/drawing/2010/main" xmlns:m="http://schemas.openxmlformats.org/officeDocument/2006/math" xmlns="" val="1"/>
+              <ma14:wrappingTextBoxFlag xmlns="" xmlns:m="http://schemas.openxmlformats.org/officeDocument/2006/math" xmlns:a14="http://schemas.microsoft.com/office/drawing/2010/main" xmlns:ma14="http://schemas.microsoft.com/office/mac/drawingml/2011/main" val="1"/>
             </a:ext>
           </a:extLst>
         </p:spPr>
@@ -22138,7 +22177,7 @@
           </a:prstGeom>
           <a:extLst>
             <a:ext uri="{C572A759-6A51-4108-AA02-DFA0A04FC94B}">
-              <ma14:wrappingTextBoxFlag xmlns:ma14="http://schemas.microsoft.com/office/mac/drawingml/2011/main" xmlns:a14="http://schemas.microsoft.com/office/drawing/2010/main" xmlns:m="http://schemas.openxmlformats.org/officeDocument/2006/math" xmlns="" val="1"/>
+              <ma14:wrappingTextBoxFlag xmlns="" xmlns:m="http://schemas.openxmlformats.org/officeDocument/2006/math" xmlns:a14="http://schemas.microsoft.com/office/drawing/2010/main" xmlns:ma14="http://schemas.microsoft.com/office/mac/drawingml/2011/main" val="1"/>
             </a:ext>
           </a:extLst>
         </p:spPr>
@@ -22175,7 +22214,7 @@
           </a:ln>
           <a:extLst>
             <a:ext uri="{C572A759-6A51-4108-AA02-DFA0A04FC94B}">
-              <ma14:wrappingTextBoxFlag xmlns:ma14="http://schemas.microsoft.com/office/mac/drawingml/2011/main" xmlns:a14="http://schemas.microsoft.com/office/drawing/2010/main" xmlns:m="http://schemas.openxmlformats.org/officeDocument/2006/math" xmlns="" val="1"/>
+              <ma14:wrappingTextBoxFlag xmlns="" xmlns:m="http://schemas.openxmlformats.org/officeDocument/2006/math" xmlns:a14="http://schemas.microsoft.com/office/drawing/2010/main" xmlns:ma14="http://schemas.microsoft.com/office/mac/drawingml/2011/main" val="1"/>
             </a:ext>
           </a:extLst>
         </p:spPr>
@@ -22224,7 +22263,7 @@
           </a:ln>
           <a:extLst>
             <a:ext uri="{C572A759-6A51-4108-AA02-DFA0A04FC94B}">
-              <ma14:wrappingTextBoxFlag xmlns:ma14="http://schemas.microsoft.com/office/mac/drawingml/2011/main" xmlns:a14="http://schemas.microsoft.com/office/drawing/2010/main" xmlns:m="http://schemas.openxmlformats.org/officeDocument/2006/math" xmlns="" val="1"/>
+              <ma14:wrappingTextBoxFlag xmlns="" xmlns:m="http://schemas.openxmlformats.org/officeDocument/2006/math" xmlns:a14="http://schemas.microsoft.com/office/drawing/2010/main" xmlns:ma14="http://schemas.microsoft.com/office/mac/drawingml/2011/main" val="1"/>
             </a:ext>
           </a:extLst>
         </p:spPr>
@@ -22273,7 +22312,7 @@
           </a:ln>
           <a:extLst>
             <a:ext uri="{C572A759-6A51-4108-AA02-DFA0A04FC94B}">
-              <ma14:wrappingTextBoxFlag xmlns:ma14="http://schemas.microsoft.com/office/mac/drawingml/2011/main" xmlns:a14="http://schemas.microsoft.com/office/drawing/2010/main" xmlns:m="http://schemas.openxmlformats.org/officeDocument/2006/math" xmlns="" val="1"/>
+              <ma14:wrappingTextBoxFlag xmlns="" xmlns:m="http://schemas.openxmlformats.org/officeDocument/2006/math" xmlns:a14="http://schemas.microsoft.com/office/drawing/2010/main" xmlns:ma14="http://schemas.microsoft.com/office/mac/drawingml/2011/main" val="1"/>
             </a:ext>
           </a:extLst>
         </p:spPr>
@@ -22436,7 +22475,7 @@
             <a:effectLst/>
             <a:extLst>
               <a:ext uri="{C572A759-6A51-4108-AA02-DFA0A04FC94B}">
-                <ma14:wrappingTextBoxFlag xmlns:ma14="http://schemas.microsoft.com/office/mac/drawingml/2011/main" xmlns:a14="http://schemas.microsoft.com/office/drawing/2010/main" xmlns:m="http://schemas.openxmlformats.org/officeDocument/2006/math" xmlns="" val="1"/>
+                <ma14:wrappingTextBoxFlag xmlns="" xmlns:m="http://schemas.openxmlformats.org/officeDocument/2006/math" xmlns:a14="http://schemas.microsoft.com/office/drawing/2010/main" xmlns:ma14="http://schemas.microsoft.com/office/mac/drawingml/2011/main" val="1"/>
               </a:ext>
             </a:extLst>
           </p:spPr>
@@ -22483,7 +22522,7 @@
             <a:effectLst/>
             <a:extLst>
               <a:ext uri="{C572A759-6A51-4108-AA02-DFA0A04FC94B}">
-                <ma14:wrappingTextBoxFlag xmlns:ma14="http://schemas.microsoft.com/office/mac/drawingml/2011/main" xmlns:a14="http://schemas.microsoft.com/office/drawing/2010/main" xmlns:m="http://schemas.openxmlformats.org/officeDocument/2006/math" xmlns="" val="1"/>
+                <ma14:wrappingTextBoxFlag xmlns="" xmlns:m="http://schemas.openxmlformats.org/officeDocument/2006/math" xmlns:a14="http://schemas.microsoft.com/office/drawing/2010/main" xmlns:ma14="http://schemas.microsoft.com/office/mac/drawingml/2011/main" val="1"/>
               </a:ext>
             </a:extLst>
           </p:spPr>
@@ -22836,7 +22875,7 @@
           </a:prstGeom>
           <a:extLst>
             <a:ext uri="{C572A759-6A51-4108-AA02-DFA0A04FC94B}">
-              <ma14:wrappingTextBoxFlag xmlns:ma14="http://schemas.microsoft.com/office/mac/drawingml/2011/main" xmlns:a14="http://schemas.microsoft.com/office/drawing/2010/main" xmlns:m="http://schemas.openxmlformats.org/officeDocument/2006/math" xmlns="" val="1"/>
+              <ma14:wrappingTextBoxFlag xmlns="" xmlns:m="http://schemas.openxmlformats.org/officeDocument/2006/math" xmlns:a14="http://schemas.microsoft.com/office/drawing/2010/main" xmlns:ma14="http://schemas.microsoft.com/office/mac/drawingml/2011/main" val="1"/>
             </a:ext>
           </a:extLst>
         </p:spPr>
@@ -22916,7 +22955,7 @@
             <a:effectLst/>
             <a:extLst>
               <a:ext uri="{C572A759-6A51-4108-AA02-DFA0A04FC94B}">
-                <ma14:wrappingTextBoxFlag xmlns:ma14="http://schemas.microsoft.com/office/mac/drawingml/2011/main" xmlns:a14="http://schemas.microsoft.com/office/drawing/2010/main" xmlns:m="http://schemas.openxmlformats.org/officeDocument/2006/math" xmlns="" val="1"/>
+                <ma14:wrappingTextBoxFlag xmlns="" xmlns:m="http://schemas.openxmlformats.org/officeDocument/2006/math" xmlns:a14="http://schemas.microsoft.com/office/drawing/2010/main" xmlns:ma14="http://schemas.microsoft.com/office/mac/drawingml/2011/main" val="1"/>
               </a:ext>
             </a:extLst>
           </p:spPr>
@@ -23375,7 +23414,7 @@
           </a:prstGeom>
           <a:extLst>
             <a:ext uri="{C572A759-6A51-4108-AA02-DFA0A04FC94B}">
-              <ma14:wrappingTextBoxFlag xmlns:ma14="http://schemas.microsoft.com/office/mac/drawingml/2011/main" xmlns:a14="http://schemas.microsoft.com/office/drawing/2010/main" xmlns:m="http://schemas.openxmlformats.org/officeDocument/2006/math" xmlns="" val="1"/>
+              <ma14:wrappingTextBoxFlag xmlns="" xmlns:m="http://schemas.openxmlformats.org/officeDocument/2006/math" xmlns:a14="http://schemas.microsoft.com/office/drawing/2010/main" xmlns:ma14="http://schemas.microsoft.com/office/mac/drawingml/2011/main" val="1"/>
             </a:ext>
           </a:extLst>
         </p:spPr>
@@ -23409,7 +23448,7 @@
           </a:ln>
           <a:extLst>
             <a:ext uri="{C572A759-6A51-4108-AA02-DFA0A04FC94B}">
-              <ma14:wrappingTextBoxFlag xmlns:ma14="http://schemas.microsoft.com/office/mac/drawingml/2011/main" xmlns:a14="http://schemas.microsoft.com/office/drawing/2010/main" xmlns:m="http://schemas.openxmlformats.org/officeDocument/2006/math" xmlns="" val="1"/>
+              <ma14:wrappingTextBoxFlag xmlns="" xmlns:m="http://schemas.openxmlformats.org/officeDocument/2006/math" xmlns:a14="http://schemas.microsoft.com/office/drawing/2010/main" xmlns:ma14="http://schemas.microsoft.com/office/mac/drawingml/2011/main" val="1"/>
             </a:ext>
           </a:extLst>
         </p:spPr>
@@ -28658,7 +28697,7 @@
             <a:prstDash val="sysDot"/>
             <a:extLst>
               <a:ext uri="{C807C97D-BFC1-408E-A445-0C87EB9F89A2}">
-                <ask:lineSketchStyleProps xmlns:ask="http://schemas.microsoft.com/office/drawing/2018/sketchyshapes" xmlns="">
+                <ask:lineSketchStyleProps xmlns:ask="http://schemas.microsoft.com/office/drawing/2018/sketchyshapes">
                   <ask:type>
                     <ask:lineSketchNone/>
                   </ask:type>
@@ -29578,7 +29617,7 @@
             <a:prstDash val="sysDot"/>
             <a:extLst>
               <a:ext uri="{C807C97D-BFC1-408E-A445-0C87EB9F89A2}">
-                <ask:lineSketchStyleProps xmlns:ask="http://schemas.microsoft.com/office/drawing/2018/sketchyshapes" xmlns="">
+                <ask:lineSketchStyleProps xmlns:ask="http://schemas.microsoft.com/office/drawing/2018/sketchyshapes">
                   <ask:type>
                     <ask:lineSketchNone/>
                   </ask:type>

--- a/HyperledgerFabric_Lecture_2day.pptx
+++ b/HyperledgerFabric_Lecture_2day.pptx
@@ -81,32 +81,32 @@
       <p:bold r:id="rId64"/>
     </p:embeddedFont>
     <p:embeddedFont>
-      <p:font typeface="NanumBarunGothic" panose="020B0603020101020101" pitchFamily="34" charset="-127"/>
+      <p:font typeface="Calibri" panose="020F0502020204030204" pitchFamily="34" charset="0"/>
       <p:regular r:id="rId65"/>
       <p:bold r:id="rId66"/>
+      <p:italic r:id="rId67"/>
+      <p:boldItalic r:id="rId68"/>
+    </p:embeddedFont>
+    <p:embeddedFont>
+      <p:font typeface="Consolas" panose="020B0609020204030204" pitchFamily="49" charset="0"/>
+      <p:regular r:id="rId69"/>
+      <p:bold r:id="rId70"/>
+      <p:italic r:id="rId71"/>
+      <p:boldItalic r:id="rId72"/>
+    </p:embeddedFont>
+    <p:embeddedFont>
+      <p:font typeface="Fira Code Regular" panose="020B0509050000020004" pitchFamily="49" charset="0"/>
+      <p:regular r:id="rId73"/>
+      <p:bold r:id="rId74"/>
+    </p:embeddedFont>
+    <p:embeddedFont>
+      <p:font typeface="NanumBarunGothic" panose="020B0603020101020101" pitchFamily="34" charset="-127"/>
+      <p:regular r:id="rId75"/>
+      <p:bold r:id="rId76"/>
     </p:embeddedFont>
     <p:embeddedFont>
       <p:font typeface="NanumBarunGothic UltraLight" panose="020B0603020101020101" pitchFamily="34" charset="-127"/>
-      <p:regular r:id="rId67"/>
-    </p:embeddedFont>
-    <p:embeddedFont>
-      <p:font typeface="Calibri" panose="020F0502020204030204" pitchFamily="34" charset="0"/>
-      <p:regular r:id="rId68"/>
-      <p:bold r:id="rId69"/>
-      <p:italic r:id="rId70"/>
-      <p:boldItalic r:id="rId71"/>
-    </p:embeddedFont>
-    <p:embeddedFont>
-      <p:font typeface="Consolas" panose="020B0609020204030204" pitchFamily="49" charset="0"/>
-      <p:regular r:id="rId72"/>
-      <p:bold r:id="rId73"/>
-      <p:italic r:id="rId74"/>
-      <p:boldItalic r:id="rId75"/>
-    </p:embeddedFont>
-    <p:embeddedFont>
-      <p:font typeface="Fira Code Regular" panose="020B0509050000020004" pitchFamily="49" charset="0"/>
-      <p:regular r:id="rId76"/>
-      <p:bold r:id="rId77"/>
+      <p:regular r:id="rId77"/>
     </p:embeddedFont>
   </p:embeddedFontLst>
   <p:defaultTextStyle>
@@ -20965,7 +20965,7 @@
           </a:prstGeom>
           <a:extLst>
             <a:ext uri="{C572A759-6A51-4108-AA02-DFA0A04FC94B}">
-              <ma14:wrappingTextBoxFlag xmlns="" xmlns:m="http://schemas.openxmlformats.org/officeDocument/2006/math" xmlns:a14="http://schemas.microsoft.com/office/drawing/2010/main" xmlns:ma14="http://schemas.microsoft.com/office/mac/drawingml/2011/main" val="1"/>
+              <ma14:wrappingTextBoxFlag xmlns:ma14="http://schemas.microsoft.com/office/mac/drawingml/2011/main" xmlns:a14="http://schemas.microsoft.com/office/drawing/2010/main" xmlns:m="http://schemas.openxmlformats.org/officeDocument/2006/math" xmlns="" val="1"/>
             </a:ext>
           </a:extLst>
         </p:spPr>
@@ -20999,7 +20999,7 @@
           </a:ln>
           <a:extLst>
             <a:ext uri="{C572A759-6A51-4108-AA02-DFA0A04FC94B}">
-              <ma14:wrappingTextBoxFlag xmlns="" xmlns:m="http://schemas.openxmlformats.org/officeDocument/2006/math" xmlns:a14="http://schemas.microsoft.com/office/drawing/2010/main" xmlns:ma14="http://schemas.microsoft.com/office/mac/drawingml/2011/main" val="1"/>
+              <ma14:wrappingTextBoxFlag xmlns:ma14="http://schemas.microsoft.com/office/mac/drawingml/2011/main" xmlns:a14="http://schemas.microsoft.com/office/drawing/2010/main" xmlns:m="http://schemas.openxmlformats.org/officeDocument/2006/math" xmlns="" val="1"/>
             </a:ext>
           </a:extLst>
         </p:spPr>
@@ -21453,7 +21453,7 @@
           </a:prstGeom>
           <a:extLst>
             <a:ext uri="{C572A759-6A51-4108-AA02-DFA0A04FC94B}">
-              <ma14:wrappingTextBoxFlag xmlns="" xmlns:m="http://schemas.openxmlformats.org/officeDocument/2006/math" xmlns:a14="http://schemas.microsoft.com/office/drawing/2010/main" xmlns:ma14="http://schemas.microsoft.com/office/mac/drawingml/2011/main" val="1"/>
+              <ma14:wrappingTextBoxFlag xmlns:ma14="http://schemas.microsoft.com/office/mac/drawingml/2011/main" xmlns:a14="http://schemas.microsoft.com/office/drawing/2010/main" xmlns:m="http://schemas.openxmlformats.org/officeDocument/2006/math" xmlns="" val="1"/>
             </a:ext>
           </a:extLst>
         </p:spPr>
@@ -22177,7 +22177,7 @@
           </a:prstGeom>
           <a:extLst>
             <a:ext uri="{C572A759-6A51-4108-AA02-DFA0A04FC94B}">
-              <ma14:wrappingTextBoxFlag xmlns="" xmlns:m="http://schemas.openxmlformats.org/officeDocument/2006/math" xmlns:a14="http://schemas.microsoft.com/office/drawing/2010/main" xmlns:ma14="http://schemas.microsoft.com/office/mac/drawingml/2011/main" val="1"/>
+              <ma14:wrappingTextBoxFlag xmlns:ma14="http://schemas.microsoft.com/office/mac/drawingml/2011/main" xmlns:a14="http://schemas.microsoft.com/office/drawing/2010/main" xmlns:m="http://schemas.openxmlformats.org/officeDocument/2006/math" xmlns="" val="1"/>
             </a:ext>
           </a:extLst>
         </p:spPr>
@@ -22214,7 +22214,7 @@
           </a:ln>
           <a:extLst>
             <a:ext uri="{C572A759-6A51-4108-AA02-DFA0A04FC94B}">
-              <ma14:wrappingTextBoxFlag xmlns="" xmlns:m="http://schemas.openxmlformats.org/officeDocument/2006/math" xmlns:a14="http://schemas.microsoft.com/office/drawing/2010/main" xmlns:ma14="http://schemas.microsoft.com/office/mac/drawingml/2011/main" val="1"/>
+              <ma14:wrappingTextBoxFlag xmlns:ma14="http://schemas.microsoft.com/office/mac/drawingml/2011/main" xmlns:a14="http://schemas.microsoft.com/office/drawing/2010/main" xmlns:m="http://schemas.openxmlformats.org/officeDocument/2006/math" xmlns="" val="1"/>
             </a:ext>
           </a:extLst>
         </p:spPr>
@@ -22263,7 +22263,7 @@
           </a:ln>
           <a:extLst>
             <a:ext uri="{C572A759-6A51-4108-AA02-DFA0A04FC94B}">
-              <ma14:wrappingTextBoxFlag xmlns="" xmlns:m="http://schemas.openxmlformats.org/officeDocument/2006/math" xmlns:a14="http://schemas.microsoft.com/office/drawing/2010/main" xmlns:ma14="http://schemas.microsoft.com/office/mac/drawingml/2011/main" val="1"/>
+              <ma14:wrappingTextBoxFlag xmlns:ma14="http://schemas.microsoft.com/office/mac/drawingml/2011/main" xmlns:a14="http://schemas.microsoft.com/office/drawing/2010/main" xmlns:m="http://schemas.openxmlformats.org/officeDocument/2006/math" xmlns="" val="1"/>
             </a:ext>
           </a:extLst>
         </p:spPr>
@@ -22312,7 +22312,7 @@
           </a:ln>
           <a:extLst>
             <a:ext uri="{C572A759-6A51-4108-AA02-DFA0A04FC94B}">
-              <ma14:wrappingTextBoxFlag xmlns="" xmlns:m="http://schemas.openxmlformats.org/officeDocument/2006/math" xmlns:a14="http://schemas.microsoft.com/office/drawing/2010/main" xmlns:ma14="http://schemas.microsoft.com/office/mac/drawingml/2011/main" val="1"/>
+              <ma14:wrappingTextBoxFlag xmlns:ma14="http://schemas.microsoft.com/office/mac/drawingml/2011/main" xmlns:a14="http://schemas.microsoft.com/office/drawing/2010/main" xmlns:m="http://schemas.openxmlformats.org/officeDocument/2006/math" xmlns="" val="1"/>
             </a:ext>
           </a:extLst>
         </p:spPr>
@@ -22475,7 +22475,7 @@
             <a:effectLst/>
             <a:extLst>
               <a:ext uri="{C572A759-6A51-4108-AA02-DFA0A04FC94B}">
-                <ma14:wrappingTextBoxFlag xmlns="" xmlns:m="http://schemas.openxmlformats.org/officeDocument/2006/math" xmlns:a14="http://schemas.microsoft.com/office/drawing/2010/main" xmlns:ma14="http://schemas.microsoft.com/office/mac/drawingml/2011/main" val="1"/>
+                <ma14:wrappingTextBoxFlag xmlns:ma14="http://schemas.microsoft.com/office/mac/drawingml/2011/main" xmlns:a14="http://schemas.microsoft.com/office/drawing/2010/main" xmlns:m="http://schemas.openxmlformats.org/officeDocument/2006/math" xmlns="" val="1"/>
               </a:ext>
             </a:extLst>
           </p:spPr>
@@ -22522,7 +22522,7 @@
             <a:effectLst/>
             <a:extLst>
               <a:ext uri="{C572A759-6A51-4108-AA02-DFA0A04FC94B}">
-                <ma14:wrappingTextBoxFlag xmlns="" xmlns:m="http://schemas.openxmlformats.org/officeDocument/2006/math" xmlns:a14="http://schemas.microsoft.com/office/drawing/2010/main" xmlns:ma14="http://schemas.microsoft.com/office/mac/drawingml/2011/main" val="1"/>
+                <ma14:wrappingTextBoxFlag xmlns:ma14="http://schemas.microsoft.com/office/mac/drawingml/2011/main" xmlns:a14="http://schemas.microsoft.com/office/drawing/2010/main" xmlns:m="http://schemas.openxmlformats.org/officeDocument/2006/math" xmlns="" val="1"/>
               </a:ext>
             </a:extLst>
           </p:spPr>
@@ -22875,7 +22875,7 @@
           </a:prstGeom>
           <a:extLst>
             <a:ext uri="{C572A759-6A51-4108-AA02-DFA0A04FC94B}">
-              <ma14:wrappingTextBoxFlag xmlns="" xmlns:m="http://schemas.openxmlformats.org/officeDocument/2006/math" xmlns:a14="http://schemas.microsoft.com/office/drawing/2010/main" xmlns:ma14="http://schemas.microsoft.com/office/mac/drawingml/2011/main" val="1"/>
+              <ma14:wrappingTextBoxFlag xmlns:ma14="http://schemas.microsoft.com/office/mac/drawingml/2011/main" xmlns:a14="http://schemas.microsoft.com/office/drawing/2010/main" xmlns:m="http://schemas.openxmlformats.org/officeDocument/2006/math" xmlns="" val="1"/>
             </a:ext>
           </a:extLst>
         </p:spPr>
@@ -22955,7 +22955,7 @@
             <a:effectLst/>
             <a:extLst>
               <a:ext uri="{C572A759-6A51-4108-AA02-DFA0A04FC94B}">
-                <ma14:wrappingTextBoxFlag xmlns="" xmlns:m="http://schemas.openxmlformats.org/officeDocument/2006/math" xmlns:a14="http://schemas.microsoft.com/office/drawing/2010/main" xmlns:ma14="http://schemas.microsoft.com/office/mac/drawingml/2011/main" val="1"/>
+                <ma14:wrappingTextBoxFlag xmlns:ma14="http://schemas.microsoft.com/office/mac/drawingml/2011/main" xmlns:a14="http://schemas.microsoft.com/office/drawing/2010/main" xmlns:m="http://schemas.openxmlformats.org/officeDocument/2006/math" xmlns="" val="1"/>
               </a:ext>
             </a:extLst>
           </p:spPr>
@@ -23414,7 +23414,7 @@
           </a:prstGeom>
           <a:extLst>
             <a:ext uri="{C572A759-6A51-4108-AA02-DFA0A04FC94B}">
-              <ma14:wrappingTextBoxFlag xmlns="" xmlns:m="http://schemas.openxmlformats.org/officeDocument/2006/math" xmlns:a14="http://schemas.microsoft.com/office/drawing/2010/main" xmlns:ma14="http://schemas.microsoft.com/office/mac/drawingml/2011/main" val="1"/>
+              <ma14:wrappingTextBoxFlag xmlns:ma14="http://schemas.microsoft.com/office/mac/drawingml/2011/main" xmlns:a14="http://schemas.microsoft.com/office/drawing/2010/main" xmlns:m="http://schemas.openxmlformats.org/officeDocument/2006/math" xmlns="" val="1"/>
             </a:ext>
           </a:extLst>
         </p:spPr>
@@ -23448,7 +23448,7 @@
           </a:ln>
           <a:extLst>
             <a:ext uri="{C572A759-6A51-4108-AA02-DFA0A04FC94B}">
-              <ma14:wrappingTextBoxFlag xmlns="" xmlns:m="http://schemas.openxmlformats.org/officeDocument/2006/math" xmlns:a14="http://schemas.microsoft.com/office/drawing/2010/main" xmlns:ma14="http://schemas.microsoft.com/office/mac/drawingml/2011/main" val="1"/>
+              <ma14:wrappingTextBoxFlag xmlns:ma14="http://schemas.microsoft.com/office/mac/drawingml/2011/main" xmlns:a14="http://schemas.microsoft.com/office/drawing/2010/main" xmlns:m="http://schemas.openxmlformats.org/officeDocument/2006/math" xmlns="" val="1"/>
             </a:ext>
           </a:extLst>
         </p:spPr>
@@ -24942,6 +24942,17 @@
               <a:t>설치</a:t>
             </a:r>
             <a:endParaRPr lang="en-US" altLang="ko-KR" dirty="0"/>
+          </a:p>
+          <a:p>
+            <a:pPr lvl="1"/>
+            <a:r>
+              <a:rPr lang="en-US" altLang="ko-KR" b="0" dirty="0" err="1"/>
+              <a:t>sudo</a:t>
+            </a:r>
+            <a:r>
+              <a:rPr lang="en-US" altLang="ko-KR" b="0" dirty="0"/>
+              <a:t> apt-get update</a:t>
+            </a:r>
           </a:p>
           <a:p>
             <a:pPr lvl="1"/>
